--- a/PowerShell And Visio.pptx
+++ b/PowerShell And Visio.pptx
@@ -19,8 +19,10 @@
     <p:sldId id="266" r:id="rId13"/>
     <p:sldId id="270" r:id="rId14"/>
     <p:sldId id="271" r:id="rId15"/>
-    <p:sldId id="272" r:id="rId16"/>
-    <p:sldId id="267" r:id="rId17"/>
+    <p:sldId id="273" r:id="rId16"/>
+    <p:sldId id="275" r:id="rId17"/>
+    <p:sldId id="272" r:id="rId18"/>
+    <p:sldId id="267" r:id="rId19"/>
   </p:sldIdLst>
   <p:sldSz cx="12192000" cy="6858000"/>
   <p:notesSz cx="6858000" cy="9144000"/>
@@ -138,6 +140,8 @@
             <p14:sldId id="266"/>
             <p14:sldId id="270"/>
             <p14:sldId id="271"/>
+            <p14:sldId id="273"/>
+            <p14:sldId id="275"/>
             <p14:sldId id="272"/>
           </p14:sldIdLst>
         </p14:section>
@@ -147,6 +151,9 @@
           </p14:sldIdLst>
         </p14:section>
       </p14:sectionLst>
+    </p:ext>
+    <p:ext uri="{EFAFB233-063F-42B5-8137-9DF3F51BA10A}">
+      <p15:sldGuideLst xmlns:p15="http://schemas.microsoft.com/office/powerpoint/2012/main"/>
     </p:ext>
   </p:extLst>
 </p:presentation>
@@ -898,7 +905,7 @@
             <a:fld id="{B61BEF0D-F0BB-DE4B-95CE-6DB70DBA9567}" type="datetimeFigureOut">
               <a:rPr lang="en-US" dirty="0"/>
               <a:pPr/>
-              <a:t>03/16/2016</a:t>
+              <a:t>4/7/2016</a:t>
             </a:fld>
             <a:endParaRPr lang="en-US" dirty="0"/>
           </a:p>
@@ -1146,7 +1153,7 @@
             <a:fld id="{B61BEF0D-F0BB-DE4B-95CE-6DB70DBA9567}" type="datetimeFigureOut">
               <a:rPr lang="en-US" dirty="0"/>
               <a:pPr/>
-              <a:t>03/16/2016</a:t>
+              <a:t>4/7/2016</a:t>
             </a:fld>
             <a:endParaRPr lang="en-US" dirty="0"/>
           </a:p>
@@ -1457,7 +1464,7 @@
             <a:fld id="{B61BEF0D-F0BB-DE4B-95CE-6DB70DBA9567}" type="datetimeFigureOut">
               <a:rPr lang="en-US" dirty="0"/>
               <a:pPr/>
-              <a:t>03/16/2016</a:t>
+              <a:t>4/7/2016</a:t>
             </a:fld>
             <a:endParaRPr lang="en-US" dirty="0"/>
           </a:p>
@@ -1787,7 +1794,7 @@
             <a:fld id="{B61BEF0D-F0BB-DE4B-95CE-6DB70DBA9567}" type="datetimeFigureOut">
               <a:rPr lang="en-US" dirty="0"/>
               <a:pPr/>
-              <a:t>03/16/2016</a:t>
+              <a:t>4/7/2016</a:t>
             </a:fld>
             <a:endParaRPr lang="en-US" dirty="0"/>
           </a:p>
@@ -2098,7 +2105,7 @@
             <a:fld id="{B61BEF0D-F0BB-DE4B-95CE-6DB70DBA9567}" type="datetimeFigureOut">
               <a:rPr lang="en-US" dirty="0"/>
               <a:pPr/>
-              <a:t>03/16/2016</a:t>
+              <a:t>4/7/2016</a:t>
             </a:fld>
             <a:endParaRPr lang="en-US" dirty="0"/>
           </a:p>
@@ -2488,7 +2495,7 @@
             <a:fld id="{B61BEF0D-F0BB-DE4B-95CE-6DB70DBA9567}" type="datetimeFigureOut">
               <a:rPr lang="en-US" dirty="0"/>
               <a:pPr/>
-              <a:t>03/16/2016</a:t>
+              <a:t>4/7/2016</a:t>
             </a:fld>
             <a:endParaRPr lang="en-US" dirty="0"/>
           </a:p>
@@ -2654,7 +2661,7 @@
           <a:p>
             <a:fld id="{55C6B4A9-1611-4792-9094-5F34BCA07E0B}" type="datetimeFigureOut">
               <a:rPr lang="en-US" dirty="0"/>
-              <a:t>03/16/2016</a:t>
+              <a:t>4/7/2016</a:t>
             </a:fld>
             <a:endParaRPr lang="en-US" dirty="0"/>
           </a:p>
@@ -2830,7 +2837,7 @@
             <a:fld id="{B61BEF0D-F0BB-DE4B-95CE-6DB70DBA9567}" type="datetimeFigureOut">
               <a:rPr lang="en-US" dirty="0"/>
               <a:pPr/>
-              <a:t>03/16/2016</a:t>
+              <a:t>4/7/2016</a:t>
             </a:fld>
             <a:endParaRPr lang="en-US" dirty="0"/>
           </a:p>
@@ -2996,7 +3003,7 @@
           <a:p>
             <a:fld id="{42A54C80-263E-416B-A8E0-580EDEADCBDC}" type="datetimeFigureOut">
               <a:rPr lang="en-US" dirty="0"/>
-              <a:t>03/16/2016</a:t>
+              <a:t>4/7/2016</a:t>
             </a:fld>
             <a:endParaRPr lang="en-US" dirty="0"/>
           </a:p>
@@ -3239,7 +3246,7 @@
             <a:fld id="{B61BEF0D-F0BB-DE4B-95CE-6DB70DBA9567}" type="datetimeFigureOut">
               <a:rPr lang="en-US" dirty="0"/>
               <a:pPr/>
-              <a:t>03/16/2016</a:t>
+              <a:t>4/7/2016</a:t>
             </a:fld>
             <a:endParaRPr lang="en-US" dirty="0"/>
           </a:p>
@@ -3467,7 +3474,7 @@
           <a:p>
             <a:fld id="{42A54C80-263E-416B-A8E0-580EDEADCBDC}" type="datetimeFigureOut">
               <a:rPr lang="en-US" dirty="0"/>
-              <a:t>03/16/2016</a:t>
+              <a:t>4/7/2016</a:t>
             </a:fld>
             <a:endParaRPr lang="en-US" dirty="0"/>
           </a:p>
@@ -3837,7 +3844,7 @@
             <a:fld id="{B61BEF0D-F0BB-DE4B-95CE-6DB70DBA9567}" type="datetimeFigureOut">
               <a:rPr lang="en-US" dirty="0"/>
               <a:pPr/>
-              <a:t>03/16/2016</a:t>
+              <a:t>4/7/2016</a:t>
             </a:fld>
             <a:endParaRPr lang="en-US" dirty="0"/>
           </a:p>
@@ -3957,7 +3964,7 @@
             <a:fld id="{B61BEF0D-F0BB-DE4B-95CE-6DB70DBA9567}" type="datetimeFigureOut">
               <a:rPr lang="en-US" dirty="0"/>
               <a:pPr/>
-              <a:t>03/16/2016</a:t>
+              <a:t>4/7/2016</a:t>
             </a:fld>
             <a:endParaRPr lang="en-US" dirty="0"/>
           </a:p>
@@ -4049,7 +4056,7 @@
             <a:fld id="{B61BEF0D-F0BB-DE4B-95CE-6DB70DBA9567}" type="datetimeFigureOut">
               <a:rPr lang="en-US" dirty="0"/>
               <a:pPr/>
-              <a:t>03/16/2016</a:t>
+              <a:t>4/7/2016</a:t>
             </a:fld>
             <a:endParaRPr lang="en-US" dirty="0"/>
           </a:p>
@@ -4300,7 +4307,7 @@
           <a:p>
             <a:fld id="{42A54C80-263E-416B-A8E0-580EDEADCBDC}" type="datetimeFigureOut">
               <a:rPr lang="en-US" dirty="0"/>
-              <a:t>03/16/2016</a:t>
+              <a:t>4/7/2016</a:t>
             </a:fld>
             <a:endParaRPr lang="en-US" dirty="0"/>
           </a:p>
@@ -4467,10 +4474,9 @@
           </a:lstStyle>
           <a:p>
             <a:r>
-              <a:rPr lang="en-US"/>
+              <a:rPr lang="en-US" dirty="0"/>
               <a:t>Click icon to add picture</a:t>
             </a:r>
-            <a:endParaRPr lang="en-US" dirty="0"/>
           </a:p>
         </p:txBody>
       </p:sp>
@@ -4602,7 +4608,7 @@
             <a:fld id="{B61BEF0D-F0BB-DE4B-95CE-6DB70DBA9567}" type="datetimeFigureOut">
               <a:rPr lang="en-US" dirty="0"/>
               <a:pPr/>
-              <a:t>03/16/2016</a:t>
+              <a:t>4/7/2016</a:t>
             </a:fld>
             <a:endParaRPr lang="en-US" dirty="0"/>
           </a:p>
@@ -5300,7 +5306,7 @@
             <a:fld id="{B61BEF0D-F0BB-DE4B-95CE-6DB70DBA9567}" type="datetimeFigureOut">
               <a:rPr lang="en-US" dirty="0"/>
               <a:pPr/>
-              <a:t>03/16/2016</a:t>
+              <a:t>4/7/2016</a:t>
             </a:fld>
             <a:endParaRPr lang="en-US" dirty="0"/>
           </a:p>
@@ -6010,15 +6016,7 @@
           <a:p>
             <a:r>
               <a:rPr lang="en-US" dirty="0"/>
-              <a:t>Enter….the </a:t>
-            </a:r>
-            <a:r>
-              <a:rPr lang="en-US" dirty="0" err="1"/>
-              <a:t>shapesheet</a:t>
-            </a:r>
-            <a:r>
-              <a:rPr lang="en-US" dirty="0"/>
-              <a:t>.</a:t>
+              <a:t>Enter….the shapesheet.</a:t>
             </a:r>
           </a:p>
           <a:p>
@@ -6036,45 +6034,13 @@
           <a:p>
             <a:r>
               <a:rPr lang="en-US" dirty="0"/>
-              <a:t> $</a:t>
-            </a:r>
-            <a:r>
-              <a:rPr lang="en-US" dirty="0" err="1"/>
-              <a:t>connector.Cells</a:t>
-            </a:r>
-            <a:r>
-              <a:rPr lang="en-US" dirty="0"/>
-              <a:t>('</a:t>
-            </a:r>
-            <a:r>
-              <a:rPr lang="en-US" dirty="0" err="1"/>
-              <a:t>EndArrow</a:t>
-            </a:r>
-            <a:r>
-              <a:rPr lang="en-US" dirty="0"/>
-              <a:t>').Formula = '=5' </a:t>
-            </a:r>
-          </a:p>
-          <a:p>
-            <a:r>
-              <a:rPr lang="en-US" dirty="0"/>
-              <a:t>$</a:t>
-            </a:r>
-            <a:r>
-              <a:rPr lang="en-US" dirty="0" err="1"/>
-              <a:t>connector.Cells</a:t>
-            </a:r>
-            <a:r>
-              <a:rPr lang="en-US" dirty="0"/>
-              <a:t>(‘</a:t>
-            </a:r>
-            <a:r>
-              <a:rPr lang="en-US" dirty="0" err="1"/>
-              <a:t>BeginArrow</a:t>
-            </a:r>
-            <a:r>
-              <a:rPr lang="en-US" dirty="0"/>
-              <a:t>').Formula = '=5' </a:t>
+              <a:t> $connector.Cells('EndArrow').Formula = '=5' </a:t>
+            </a:r>
+          </a:p>
+          <a:p>
+            <a:r>
+              <a:rPr lang="en-US" dirty="0"/>
+              <a:t>$connector.Cells(‘BeginArrow').Formula = '=5' </a:t>
             </a:r>
           </a:p>
           <a:p>
@@ -6086,15 +6052,7 @@
           <a:p>
             <a:r>
               <a:rPr lang="en-US" dirty="0"/>
-              <a:t>$</a:t>
-            </a:r>
-            <a:r>
-              <a:rPr lang="en-US" dirty="0" err="1"/>
-              <a:t>connector.CellsSRC</a:t>
-            </a:r>
-            <a:r>
-              <a:rPr lang="en-US" dirty="0"/>
-              <a:t>(1,2,5)= ‘=5’</a:t>
+              <a:t>$connector.CellsSRC(1,2,5)= ‘=5’</a:t>
             </a:r>
           </a:p>
           <a:p>
@@ -6188,29 +6146,13 @@
           <a:p>
             <a:r>
               <a:rPr lang="en-US" dirty="0"/>
-              <a:t> $</a:t>
-            </a:r>
-            <a:r>
-              <a:rPr lang="en-US" dirty="0" err="1"/>
-              <a:t>connector.CellsSRC</a:t>
-            </a:r>
-            <a:r>
-              <a:rPr lang="en-US" dirty="0"/>
-              <a:t>(1,23,10) = 16</a:t>
-            </a:r>
-          </a:p>
-          <a:p>
-            <a:r>
-              <a:rPr lang="en-US" dirty="0"/>
-              <a:t> $</a:t>
-            </a:r>
-            <a:r>
-              <a:rPr lang="en-US" dirty="0" err="1"/>
-              <a:t>connector.CellsSRC</a:t>
-            </a:r>
-            <a:r>
-              <a:rPr lang="en-US" dirty="0"/>
-              <a:t>(1,23,19) = 1 </a:t>
+              <a:t> $connector.CellsSRC(1,23,10) = 16</a:t>
+            </a:r>
+          </a:p>
+          <a:p>
+            <a:r>
+              <a:rPr lang="en-US" dirty="0"/>
+              <a:t> $connector.CellsSRC(1,23,19) = 1 </a:t>
             </a:r>
           </a:p>
           <a:p>
@@ -6324,31 +6266,7 @@
             </a:pPr>
             <a:r>
               <a:rPr lang="en-US" dirty="0"/>
-              <a:t>$</a:t>
-            </a:r>
-            <a:r>
-              <a:rPr lang="en-US" dirty="0" err="1"/>
-              <a:t>containerStencil</a:t>
-            </a:r>
-            <a:r>
-              <a:rPr lang="en-US" dirty="0"/>
-              <a:t>=$</a:t>
-            </a:r>
-            <a:r>
-              <a:rPr lang="en-US" dirty="0" err="1"/>
-              <a:t>Visio.Documents.OpenEx</a:t>
-            </a:r>
-            <a:r>
-              <a:rPr lang="en-US" dirty="0"/>
-              <a:t>($</a:t>
-            </a:r>
-            <a:r>
-              <a:rPr lang="en-US" dirty="0" err="1"/>
-              <a:t>Visio.GetBuiltinStencilFile</a:t>
-            </a:r>
-            <a:r>
-              <a:rPr lang="en-US" dirty="0"/>
-              <a:t>(2,2),64)</a:t>
+              <a:t>$containerStencil=$Visio.Documents.OpenEx($Visio.GetBuiltinStencilFile(2,2),64)</a:t>
             </a:r>
           </a:p>
           <a:p>
@@ -6449,8 +6367,12 @@
           </a:p>
           <a:p>
             <a:r>
-              <a:rPr lang="en-US" dirty="0"/>
-              <a:t>( 1 means to expand the container)</a:t>
+              <a:rPr lang="en-US" dirty="0" smtClean="0"/>
+              <a:t>(1 </a:t>
+            </a:r>
+            <a:r>
+              <a:rPr lang="en-US" dirty="0"/>
+              <a:t>means to expand the container)</a:t>
             </a:r>
           </a:p>
           <a:p>
@@ -6652,13 +6574,20 @@
         </p:nvSpPr>
         <p:spPr/>
         <p:txBody>
-          <a:bodyPr/>
-          <a:lstStyle/>
-          <a:p>
-            <a:r>
-              <a:rPr lang="en-US" dirty="0"/>
-              <a:t>Drawing a Diagram using Visio Primitives</a:t>
-            </a:r>
+          <a:bodyPr>
+            <a:normAutofit/>
+          </a:bodyPr>
+          <a:lstStyle/>
+          <a:p>
+            <a:r>
+              <a:rPr lang="en-US" dirty="0"/>
+              <a:t>Drawing a Diagram using Visio </a:t>
+            </a:r>
+            <a:r>
+              <a:rPr lang="en-US" dirty="0" smtClean="0"/>
+              <a:t>Primitives (3/17/2016)</a:t>
+            </a:r>
+            <a:endParaRPr lang="en-US" dirty="0"/>
           </a:p>
         </p:txBody>
       </p:sp>
@@ -6674,7 +6603,7 @@
         </p:nvSpPr>
         <p:spPr>
           <a:xfrm>
-            <a:off x="0" y="1493324"/>
+            <a:off x="0" y="2134591"/>
             <a:ext cx="10740309" cy="3880773"/>
           </a:xfrm>
         </p:spPr>
@@ -6769,23 +6698,7 @@
           <a:p>
             <a:r>
               <a:rPr lang="en-US" sz="1600" dirty="0"/>
-              <a:t>$</a:t>
-            </a:r>
-            <a:r>
-              <a:rPr lang="en-US" sz="1600" dirty="0" err="1"/>
-              <a:t>ServerMaster</a:t>
-            </a:r>
-            <a:r>
-              <a:rPr lang="en-US" sz="1600" dirty="0"/>
-              <a:t>=$</a:t>
-            </a:r>
-            <a:r>
-              <a:rPr lang="en-US" sz="1600" dirty="0" err="1"/>
-              <a:t>Stencil.Masters</a:t>
-            </a:r>
-            <a:r>
-              <a:rPr lang="en-US" sz="1600" dirty="0"/>
-              <a:t>[‘Web Server’]</a:t>
+              <a:t>$ServerMaster=$Stencil.Masters[‘Web Server’]</a:t>
             </a:r>
           </a:p>
           <a:p>
@@ -6799,15 +6712,7 @@
             </a:r>
             <a:r>
               <a:rPr lang="en-US" sz="1600" dirty="0"/>
-              <a:t> $</a:t>
-            </a:r>
-            <a:r>
-              <a:rPr lang="en-US" sz="1600" dirty="0" err="1"/>
-              <a:t>ServerMaster</a:t>
-            </a:r>
-            <a:r>
-              <a:rPr lang="en-US" sz="1600" dirty="0"/>
-              <a:t> –x 5 –y 5 –label ‘My Server’ –name ‘</a:t>
+              <a:t> $ServerMaster –x 5 –y 5 –label ‘My Server’ –name ‘</a:t>
             </a:r>
             <a:r>
               <a:rPr lang="en-US" sz="1600" dirty="0" err="1"/>
@@ -6896,9 +6801,10 @@
           <a:lstStyle/>
           <a:p>
             <a:r>
-              <a:rPr lang="en-US" dirty="0"/>
-              <a:t>Using a DSL To Specify Diagrams</a:t>
-            </a:r>
+              <a:rPr lang="en-US" dirty="0" smtClean="0"/>
+              <a:t>Introducing VisioBot3000</a:t>
+            </a:r>
+            <a:endParaRPr lang="en-US" dirty="0"/>
           </a:p>
         </p:txBody>
       </p:sp>
@@ -6917,116 +6823,38 @@
           <a:bodyPr/>
           <a:lstStyle/>
           <a:p>
-            <a:pPr marL="0" indent="0">
-              <a:buNone/>
-            </a:pPr>
-            <a:r>
-              <a:rPr lang="en-US" dirty="0" err="1"/>
-              <a:t>VisioTemplate</a:t>
-            </a:r>
-            <a:r>
-              <a:rPr lang="en-US" dirty="0"/>
-              <a:t> &lt;path to template&gt;</a:t>
-            </a:r>
-          </a:p>
-          <a:p>
-            <a:pPr marL="0" indent="0">
-              <a:buNone/>
-            </a:pPr>
-            <a:r>
-              <a:rPr lang="en-US" dirty="0"/>
-              <a:t>Stencil Containers &lt;path to stencil&gt;</a:t>
-            </a:r>
-          </a:p>
-          <a:p>
-            <a:pPr marL="0" indent="0">
-              <a:buNone/>
-            </a:pPr>
-            <a:r>
-              <a:rPr lang="en-US" dirty="0"/>
-              <a:t>Stencil Servers &lt;path to stencil&gt;</a:t>
-            </a:r>
-          </a:p>
-          <a:p>
-            <a:pPr marL="0" indent="0">
-              <a:buNone/>
-            </a:pPr>
-            <a:r>
-              <a:rPr lang="en-US" dirty="0"/>
-              <a:t>Define </a:t>
-            </a:r>
-            <a:r>
-              <a:rPr lang="en-US" dirty="0" err="1"/>
-              <a:t>WebServer</a:t>
-            </a:r>
-            <a:r>
-              <a:rPr lang="en-US" dirty="0"/>
-              <a:t> –From Servers –Name ‘Web Server’</a:t>
-            </a:r>
-          </a:p>
-          <a:p>
-            <a:pPr marL="0" indent="0">
-              <a:buNone/>
-            </a:pPr>
-            <a:r>
-              <a:rPr lang="en-US" dirty="0"/>
-              <a:t>Define Location –From Containers –Name Domain</a:t>
-            </a:r>
-          </a:p>
-          <a:p>
-            <a:pPr marL="0" indent="0">
-              <a:buNone/>
-            </a:pPr>
-            <a:r>
-              <a:rPr lang="en-US" dirty="0"/>
-              <a:t>Domain </a:t>
-            </a:r>
-            <a:r>
-              <a:rPr lang="en-US" dirty="0" err="1"/>
-              <a:t>MyDomain</a:t>
-            </a:r>
-            <a:r>
-              <a:rPr lang="en-US" dirty="0"/>
-              <a:t> {</a:t>
-            </a:r>
-          </a:p>
-          <a:p>
-            <a:pPr marL="0" indent="0">
-              <a:buNone/>
-            </a:pPr>
-            <a:r>
-              <a:rPr lang="en-US" dirty="0"/>
-              <a:t>	</a:t>
-            </a:r>
-            <a:r>
-              <a:rPr lang="en-US" dirty="0" err="1"/>
-              <a:t>WebServer</a:t>
-            </a:r>
-            <a:r>
-              <a:rPr lang="en-US" dirty="0"/>
-              <a:t> </a:t>
-            </a:r>
-            <a:r>
-              <a:rPr lang="en-US" dirty="0" err="1"/>
-              <a:t>MyServer</a:t>
-            </a:r>
-            <a:endParaRPr lang="en-US" dirty="0"/>
-          </a:p>
-          <a:p>
-            <a:pPr marL="0" indent="0">
-              <a:buNone/>
-            </a:pPr>
-            <a:r>
-              <a:rPr lang="en-US" dirty="0"/>
-              <a:t>}</a:t>
-            </a:r>
+            <a:r>
+              <a:rPr lang="en-US" dirty="0">
+                <a:hlinkClick r:id="rId2"/>
+              </a:rPr>
+              <a:t>https://</a:t>
+            </a:r>
+            <a:r>
+              <a:rPr lang="en-US" dirty="0" smtClean="0">
+                <a:hlinkClick r:id="rId2"/>
+              </a:rPr>
+              <a:t>github.com/MikeShepard/VisioBot3000</a:t>
+            </a:r>
+            <a:endParaRPr lang="en-US" dirty="0" smtClean="0"/>
+          </a:p>
+          <a:p>
+            <a:r>
+              <a:rPr lang="en-US" dirty="0" smtClean="0"/>
+              <a:t>Still early, but stable/usable!</a:t>
+            </a:r>
+          </a:p>
+          <a:p>
+            <a:endParaRPr lang="en-US" dirty="0" smtClean="0"/>
+          </a:p>
+          <a:p>
+            <a:endParaRPr lang="en-US" dirty="0"/>
           </a:p>
         </p:txBody>
       </p:sp>
     </p:spTree>
     <p:extLst>
       <p:ext uri="{BB962C8B-B14F-4D97-AF65-F5344CB8AC3E}">
-        <p14:creationId xmlns:p14="http://schemas.microsoft.com/office/powerpoint/2010/main" val="260471491"/>
+        <p14:creationId xmlns:p14="http://schemas.microsoft.com/office/powerpoint/2010/main" val="2768955828"/>
       </p:ext>
     </p:extLst>
   </p:cSld>
@@ -7063,6 +6891,1216 @@
             <p:ph type="title"/>
           </p:nvPr>
         </p:nvSpPr>
+        <p:spPr>
+          <a:xfrm>
+            <a:off x="368300" y="609600"/>
+            <a:ext cx="8905702" cy="711200"/>
+          </a:xfrm>
+        </p:spPr>
+        <p:txBody>
+          <a:bodyPr>
+            <a:normAutofit fontScale="90000"/>
+          </a:bodyPr>
+          <a:lstStyle/>
+          <a:p>
+            <a:r>
+              <a:rPr lang="en-US" sz="2800" dirty="0"/>
+              <a:t>Drawing a Diagram using Visio </a:t>
+            </a:r>
+            <a:r>
+              <a:rPr lang="en-US" sz="2800" dirty="0" smtClean="0"/>
+              <a:t>Primitives (VisioBot3000)</a:t>
+            </a:r>
+            <a:endParaRPr lang="en-US" sz="2800" dirty="0"/>
+          </a:p>
+        </p:txBody>
+      </p:sp>
+      <p:sp>
+        <p:nvSpPr>
+          <p:cNvPr id="3" name="Content Placeholder 2"/>
+          <p:cNvSpPr>
+            <a:spLocks noGrp="1"/>
+          </p:cNvSpPr>
+          <p:nvPr>
+            <p:ph idx="1"/>
+          </p:nvPr>
+        </p:nvSpPr>
+        <p:spPr>
+          <a:xfrm>
+            <a:off x="1268413" y="1169391"/>
+            <a:ext cx="7685582" cy="5017653"/>
+          </a:xfrm>
+        </p:spPr>
+        <p:txBody>
+          <a:bodyPr>
+            <a:normAutofit fontScale="85000" lnSpcReduction="20000"/>
+          </a:bodyPr>
+          <a:lstStyle/>
+          <a:p>
+            <a:pPr marL="0" indent="0">
+              <a:lnSpc>
+                <a:spcPct val="120000"/>
+              </a:lnSpc>
+              <a:spcBef>
+                <a:spcPts val="0"/>
+              </a:spcBef>
+              <a:buNone/>
+            </a:pPr>
+            <a:r>
+              <a:rPr lang="en-US" sz="1600" dirty="0"/>
+              <a:t> </a:t>
+            </a:r>
+            <a:r>
+              <a:rPr lang="en-US" sz="1600" dirty="0"/>
+              <a:t>Import-Module VisioBot3000 -Force</a:t>
+            </a:r>
+          </a:p>
+          <a:p>
+            <a:pPr marL="0" indent="0">
+              <a:lnSpc>
+                <a:spcPct val="120000"/>
+              </a:lnSpc>
+              <a:spcBef>
+                <a:spcPts val="0"/>
+              </a:spcBef>
+              <a:buNone/>
+            </a:pPr>
+            <a:endParaRPr lang="en-US" sz="1600" dirty="0"/>
+          </a:p>
+          <a:p>
+            <a:pPr marL="0" indent="0">
+              <a:lnSpc>
+                <a:spcPct val="120000"/>
+              </a:lnSpc>
+              <a:spcBef>
+                <a:spcPts val="0"/>
+              </a:spcBef>
+              <a:buNone/>
+            </a:pPr>
+            <a:r>
+              <a:rPr lang="en-US" sz="1600" dirty="0"/>
+              <a:t>New-</a:t>
+            </a:r>
+            <a:r>
+              <a:rPr lang="en-US" sz="1600" dirty="0" err="1"/>
+              <a:t>VisioApplication</a:t>
+            </a:r>
+            <a:endParaRPr lang="en-US" sz="1600" dirty="0"/>
+          </a:p>
+          <a:p>
+            <a:pPr marL="0" indent="0">
+              <a:lnSpc>
+                <a:spcPct val="120000"/>
+              </a:lnSpc>
+              <a:spcBef>
+                <a:spcPts val="0"/>
+              </a:spcBef>
+              <a:buNone/>
+            </a:pPr>
+            <a:r>
+              <a:rPr lang="en-US" sz="1600" dirty="0" smtClean="0"/>
+              <a:t>New-</a:t>
+            </a:r>
+            <a:r>
+              <a:rPr lang="en-US" sz="1600" dirty="0" err="1" smtClean="0"/>
+              <a:t>VisioDocument</a:t>
+            </a:r>
+            <a:r>
+              <a:rPr lang="en-US" sz="1600" dirty="0" smtClean="0"/>
+              <a:t> </a:t>
+            </a:r>
+            <a:r>
+              <a:rPr lang="en-US" sz="1600" dirty="0"/>
+              <a:t>C:\</a:t>
+            </a:r>
+            <a:r>
+              <a:rPr lang="en-US" sz="1600" dirty="0" smtClean="0"/>
+              <a:t>temp\TestVisio3_Primitives.vsdx </a:t>
+            </a:r>
+            <a:endParaRPr lang="en-US" sz="1600" dirty="0"/>
+          </a:p>
+          <a:p>
+            <a:pPr marL="0" indent="0">
+              <a:lnSpc>
+                <a:spcPct val="120000"/>
+              </a:lnSpc>
+              <a:spcBef>
+                <a:spcPts val="0"/>
+              </a:spcBef>
+              <a:buNone/>
+            </a:pPr>
+            <a:r>
+              <a:rPr lang="en-US" sz="1600" dirty="0"/>
+              <a:t>Register-</a:t>
+            </a:r>
+            <a:r>
+              <a:rPr lang="en-US" sz="1600" dirty="0" err="1"/>
+              <a:t>VisioStencil</a:t>
+            </a:r>
+            <a:r>
+              <a:rPr lang="en-US" sz="1600" dirty="0"/>
+              <a:t> -Name Containers -Path C:\temp\MyContainers.vssx </a:t>
+            </a:r>
+          </a:p>
+          <a:p>
+            <a:pPr marL="0" indent="0">
+              <a:lnSpc>
+                <a:spcPct val="120000"/>
+              </a:lnSpc>
+              <a:spcBef>
+                <a:spcPts val="0"/>
+              </a:spcBef>
+              <a:buNone/>
+            </a:pPr>
+            <a:r>
+              <a:rPr lang="en-US" sz="1600" dirty="0"/>
+              <a:t>Register-</a:t>
+            </a:r>
+            <a:r>
+              <a:rPr lang="en-US" sz="1600" dirty="0" err="1"/>
+              <a:t>VisioStencil</a:t>
+            </a:r>
+            <a:r>
+              <a:rPr lang="en-US" sz="1600" dirty="0"/>
+              <a:t> -Name Servers -Path C:\temp\SERVER_U.vssx</a:t>
+            </a:r>
+          </a:p>
+          <a:p>
+            <a:pPr marL="0" indent="0">
+              <a:lnSpc>
+                <a:spcPct val="120000"/>
+              </a:lnSpc>
+              <a:spcBef>
+                <a:spcPts val="0"/>
+              </a:spcBef>
+              <a:buNone/>
+            </a:pPr>
+            <a:r>
+              <a:rPr lang="en-US" sz="1600" dirty="0"/>
+              <a:t>Register-</a:t>
+            </a:r>
+            <a:r>
+              <a:rPr lang="en-US" sz="1600" dirty="0" err="1"/>
+              <a:t>VisioShape</a:t>
+            </a:r>
+            <a:r>
+              <a:rPr lang="en-US" sz="1600" dirty="0"/>
+              <a:t> -Name WebServer -From Servers -MasterName 'Web Server'</a:t>
+            </a:r>
+          </a:p>
+          <a:p>
+            <a:pPr marL="0" indent="0">
+              <a:lnSpc>
+                <a:spcPct val="120000"/>
+              </a:lnSpc>
+              <a:spcBef>
+                <a:spcPts val="0"/>
+              </a:spcBef>
+              <a:buNone/>
+            </a:pPr>
+            <a:r>
+              <a:rPr lang="en-US" sz="1600" dirty="0"/>
+              <a:t>Register-</a:t>
+            </a:r>
+            <a:r>
+              <a:rPr lang="en-US" sz="1600" dirty="0" err="1"/>
+              <a:t>VisioContainer</a:t>
+            </a:r>
+            <a:r>
+              <a:rPr lang="en-US" sz="1600" dirty="0"/>
+              <a:t> -Name Location -From Containers -MasterName 'Location'</a:t>
+            </a:r>
+          </a:p>
+          <a:p>
+            <a:pPr marL="0" indent="0">
+              <a:lnSpc>
+                <a:spcPct val="120000"/>
+              </a:lnSpc>
+              <a:spcBef>
+                <a:spcPts val="0"/>
+              </a:spcBef>
+              <a:buNone/>
+            </a:pPr>
+            <a:r>
+              <a:rPr lang="en-US" sz="1600" dirty="0"/>
+              <a:t>Register-</a:t>
+            </a:r>
+            <a:r>
+              <a:rPr lang="en-US" sz="1600" dirty="0" err="1"/>
+              <a:t>VisioContainer</a:t>
+            </a:r>
+            <a:r>
+              <a:rPr lang="en-US" sz="1600" dirty="0"/>
+              <a:t> -Name Domain -From Containers -MasterName 'Domain'</a:t>
+            </a:r>
+          </a:p>
+          <a:p>
+            <a:pPr marL="0" indent="0">
+              <a:lnSpc>
+                <a:spcPct val="120000"/>
+              </a:lnSpc>
+              <a:spcBef>
+                <a:spcPts val="0"/>
+              </a:spcBef>
+              <a:buNone/>
+            </a:pPr>
+            <a:r>
+              <a:rPr lang="en-US" sz="1600" dirty="0"/>
+              <a:t>Register-</a:t>
+            </a:r>
+            <a:r>
+              <a:rPr lang="en-US" sz="1600" dirty="0" err="1"/>
+              <a:t>VisioContainer</a:t>
+            </a:r>
+            <a:r>
+              <a:rPr lang="en-US" sz="1600" dirty="0"/>
+              <a:t> -Name Logical -From Containers -MasterName 'Logical'</a:t>
+            </a:r>
+          </a:p>
+          <a:p>
+            <a:pPr marL="0" indent="0">
+              <a:lnSpc>
+                <a:spcPct val="120000"/>
+              </a:lnSpc>
+              <a:spcBef>
+                <a:spcPts val="0"/>
+              </a:spcBef>
+              <a:buNone/>
+            </a:pPr>
+            <a:endParaRPr lang="en-US" sz="1600" dirty="0"/>
+          </a:p>
+          <a:p>
+            <a:pPr marL="0" indent="0">
+              <a:lnSpc>
+                <a:spcPct val="120000"/>
+              </a:lnSpc>
+              <a:spcBef>
+                <a:spcPts val="0"/>
+              </a:spcBef>
+              <a:buNone/>
+            </a:pPr>
+            <a:r>
+              <a:rPr lang="en-US" sz="1600" dirty="0"/>
+              <a:t>New-</a:t>
+            </a:r>
+            <a:r>
+              <a:rPr lang="en-US" sz="1600" dirty="0" err="1"/>
+              <a:t>VisioContainer</a:t>
+            </a:r>
+            <a:r>
+              <a:rPr lang="en-US" sz="1600" dirty="0"/>
+              <a:t> -shape (Get-</a:t>
+            </a:r>
+            <a:r>
+              <a:rPr lang="en-US" sz="1600" dirty="0" err="1"/>
+              <a:t>VisioShape</a:t>
+            </a:r>
+            <a:r>
+              <a:rPr lang="en-US" sz="1600" dirty="0"/>
+              <a:t> Logical) -label MyFarm -contents {</a:t>
+            </a:r>
+          </a:p>
+          <a:p>
+            <a:pPr marL="0" indent="0">
+              <a:lnSpc>
+                <a:spcPct val="120000"/>
+              </a:lnSpc>
+              <a:spcBef>
+                <a:spcPts val="0"/>
+              </a:spcBef>
+              <a:buNone/>
+            </a:pPr>
+            <a:r>
+              <a:rPr lang="en-US" sz="1600" dirty="0"/>
+              <a:t>    New-</a:t>
+            </a:r>
+            <a:r>
+              <a:rPr lang="en-US" sz="1600" dirty="0" err="1"/>
+              <a:t>VisioContainer</a:t>
+            </a:r>
+            <a:r>
+              <a:rPr lang="en-US" sz="1600" dirty="0"/>
+              <a:t> -shape (Get-</a:t>
+            </a:r>
+            <a:r>
+              <a:rPr lang="en-US" sz="1600" dirty="0" err="1"/>
+              <a:t>VisioShape</a:t>
+            </a:r>
+            <a:r>
+              <a:rPr lang="en-US" sz="1600" dirty="0"/>
+              <a:t> Location) -label MyCity -contents {</a:t>
+            </a:r>
+          </a:p>
+          <a:p>
+            <a:pPr marL="0" indent="0">
+              <a:lnSpc>
+                <a:spcPct val="120000"/>
+              </a:lnSpc>
+              <a:spcBef>
+                <a:spcPts val="0"/>
+              </a:spcBef>
+              <a:buNone/>
+            </a:pPr>
+            <a:r>
+              <a:rPr lang="en-US" sz="1600" dirty="0"/>
+              <a:t>        New-</a:t>
+            </a:r>
+            <a:r>
+              <a:rPr lang="en-US" sz="1600" dirty="0" err="1"/>
+              <a:t>VisioContainer</a:t>
+            </a:r>
+            <a:r>
+              <a:rPr lang="en-US" sz="1600" dirty="0"/>
+              <a:t> -shape (Get-</a:t>
+            </a:r>
+            <a:r>
+              <a:rPr lang="en-US" sz="1600" dirty="0" err="1"/>
+              <a:t>VisioShape</a:t>
+            </a:r>
+            <a:r>
+              <a:rPr lang="en-US" sz="1600" dirty="0"/>
+              <a:t> Domain) -label </a:t>
+            </a:r>
+            <a:r>
+              <a:rPr lang="en-US" sz="1600" dirty="0" err="1"/>
+              <a:t>MyDomain</a:t>
+            </a:r>
+            <a:r>
+              <a:rPr lang="en-US" sz="1600" dirty="0"/>
+              <a:t> -contents {</a:t>
+            </a:r>
+          </a:p>
+          <a:p>
+            <a:pPr marL="0" indent="0">
+              <a:lnSpc>
+                <a:spcPct val="120000"/>
+              </a:lnSpc>
+              <a:spcBef>
+                <a:spcPts val="0"/>
+              </a:spcBef>
+              <a:buNone/>
+            </a:pPr>
+            <a:r>
+              <a:rPr lang="en-US" sz="1600" dirty="0"/>
+              <a:t>    New-</a:t>
+            </a:r>
+            <a:r>
+              <a:rPr lang="en-US" sz="1600" dirty="0" err="1"/>
+              <a:t>VisioShape</a:t>
+            </a:r>
+            <a:r>
+              <a:rPr lang="en-US" sz="1600" dirty="0"/>
+              <a:t> -master WebServer -label PrimaryServer -x 5 -y 5</a:t>
+            </a:r>
+          </a:p>
+          <a:p>
+            <a:pPr marL="0" indent="0">
+              <a:lnSpc>
+                <a:spcPct val="120000"/>
+              </a:lnSpc>
+              <a:spcBef>
+                <a:spcPts val="0"/>
+              </a:spcBef>
+              <a:buNone/>
+            </a:pPr>
+            <a:r>
+              <a:rPr lang="en-US" sz="1600" dirty="0"/>
+              <a:t>    }</a:t>
+            </a:r>
+          </a:p>
+          <a:p>
+            <a:pPr marL="0" indent="0">
+              <a:lnSpc>
+                <a:spcPct val="120000"/>
+              </a:lnSpc>
+              <a:spcBef>
+                <a:spcPts val="0"/>
+              </a:spcBef>
+              <a:buNone/>
+            </a:pPr>
+            <a:r>
+              <a:rPr lang="en-US" sz="1600" dirty="0"/>
+              <a:t>    }</a:t>
+            </a:r>
+          </a:p>
+          <a:p>
+            <a:pPr marL="0" indent="0">
+              <a:lnSpc>
+                <a:spcPct val="120000"/>
+              </a:lnSpc>
+              <a:spcBef>
+                <a:spcPts val="0"/>
+              </a:spcBef>
+              <a:buNone/>
+            </a:pPr>
+            <a:r>
+              <a:rPr lang="en-US" sz="1600" dirty="0"/>
+              <a:t>    New-</a:t>
+            </a:r>
+            <a:r>
+              <a:rPr lang="en-US" sz="1600" dirty="0" err="1"/>
+              <a:t>VisioContainer</a:t>
+            </a:r>
+            <a:r>
+              <a:rPr lang="en-US" sz="1600" dirty="0"/>
+              <a:t> -shape (Get-</a:t>
+            </a:r>
+            <a:r>
+              <a:rPr lang="en-US" sz="1600" dirty="0" err="1"/>
+              <a:t>VisioShape</a:t>
+            </a:r>
+            <a:r>
+              <a:rPr lang="en-US" sz="1600" dirty="0"/>
+              <a:t> Location) -label DRSite -contents {</a:t>
+            </a:r>
+          </a:p>
+          <a:p>
+            <a:pPr marL="0" indent="0">
+              <a:lnSpc>
+                <a:spcPct val="120000"/>
+              </a:lnSpc>
+              <a:spcBef>
+                <a:spcPts val="0"/>
+              </a:spcBef>
+              <a:buNone/>
+            </a:pPr>
+            <a:r>
+              <a:rPr lang="en-US" sz="1600" dirty="0"/>
+              <a:t>        New-</a:t>
+            </a:r>
+            <a:r>
+              <a:rPr lang="en-US" sz="1600" dirty="0" err="1"/>
+              <a:t>VisioContainer</a:t>
+            </a:r>
+            <a:r>
+              <a:rPr lang="en-US" sz="1600" dirty="0"/>
+              <a:t> -shape (Get-</a:t>
+            </a:r>
+            <a:r>
+              <a:rPr lang="en-US" sz="1600" dirty="0" err="1"/>
+              <a:t>VisioShape</a:t>
+            </a:r>
+            <a:r>
+              <a:rPr lang="en-US" sz="1600" dirty="0"/>
+              <a:t> Domain) -label </a:t>
+            </a:r>
+            <a:r>
+              <a:rPr lang="en-US" sz="1600" dirty="0" err="1"/>
+              <a:t>MyDomain</a:t>
+            </a:r>
+            <a:r>
+              <a:rPr lang="en-US" sz="1600" dirty="0"/>
+              <a:t> -contents {</a:t>
+            </a:r>
+          </a:p>
+          <a:p>
+            <a:pPr marL="0" indent="0">
+              <a:lnSpc>
+                <a:spcPct val="120000"/>
+              </a:lnSpc>
+              <a:spcBef>
+                <a:spcPts val="0"/>
+              </a:spcBef>
+              <a:buNone/>
+            </a:pPr>
+            <a:r>
+              <a:rPr lang="en-US" sz="1600" dirty="0"/>
+              <a:t>    New-</a:t>
+            </a:r>
+            <a:r>
+              <a:rPr lang="en-US" sz="1600" dirty="0" err="1"/>
+              <a:t>VisioShape</a:t>
+            </a:r>
+            <a:r>
+              <a:rPr lang="en-US" sz="1600" dirty="0"/>
+              <a:t> -master WebServer -label BackupServer -x 5 -y 8</a:t>
+            </a:r>
+          </a:p>
+          <a:p>
+            <a:pPr marL="0" indent="0">
+              <a:lnSpc>
+                <a:spcPct val="120000"/>
+              </a:lnSpc>
+              <a:spcBef>
+                <a:spcPts val="0"/>
+              </a:spcBef>
+              <a:buNone/>
+            </a:pPr>
+            <a:r>
+              <a:rPr lang="en-US" sz="1600" dirty="0"/>
+              <a:t>    }</a:t>
+            </a:r>
+          </a:p>
+          <a:p>
+            <a:pPr marL="0" indent="0">
+              <a:lnSpc>
+                <a:spcPct val="120000"/>
+              </a:lnSpc>
+              <a:spcBef>
+                <a:spcPts val="0"/>
+              </a:spcBef>
+              <a:buNone/>
+            </a:pPr>
+            <a:r>
+              <a:rPr lang="en-US" sz="1600" dirty="0"/>
+              <a:t>    }</a:t>
+            </a:r>
+          </a:p>
+          <a:p>
+            <a:pPr marL="0" indent="0">
+              <a:lnSpc>
+                <a:spcPct val="120000"/>
+              </a:lnSpc>
+              <a:spcBef>
+                <a:spcPts val="0"/>
+              </a:spcBef>
+              <a:buNone/>
+            </a:pPr>
+            <a:r>
+              <a:rPr lang="en-US" sz="1600" dirty="0"/>
+              <a:t>    New-</a:t>
+            </a:r>
+            <a:r>
+              <a:rPr lang="en-US" sz="1600" dirty="0" err="1"/>
+              <a:t>VisioConnector</a:t>
+            </a:r>
+            <a:r>
+              <a:rPr lang="en-US" sz="1600" dirty="0"/>
+              <a:t> -From PrimaryServer -To BackupServer -Label SQL -Color Red -Arrow </a:t>
+            </a:r>
+          </a:p>
+        </p:txBody>
+      </p:sp>
+    </p:spTree>
+    <p:extLst>
+      <p:ext uri="{BB962C8B-B14F-4D97-AF65-F5344CB8AC3E}">
+        <p14:creationId xmlns:p14="http://schemas.microsoft.com/office/powerpoint/2010/main" val="83836481"/>
+      </p:ext>
+    </p:extLst>
+  </p:cSld>
+  <p:clrMapOvr>
+    <a:masterClrMapping/>
+  </p:clrMapOvr>
+</p:sld>
+</file>
+
+<file path=ppt/slides/slide17.xml><?xml version="1.0" encoding="utf-8"?>
+<p:sld xmlns:a="http://schemas.openxmlformats.org/drawingml/2006/main" xmlns:r="http://schemas.openxmlformats.org/officeDocument/2006/relationships" xmlns:p="http://schemas.openxmlformats.org/presentationml/2006/main">
+  <p:cSld>
+    <p:spTree>
+      <p:nvGrpSpPr>
+        <p:cNvPr id="1" name=""/>
+        <p:cNvGrpSpPr/>
+        <p:nvPr/>
+      </p:nvGrpSpPr>
+      <p:grpSpPr>
+        <a:xfrm>
+          <a:off x="0" y="0"/>
+          <a:ext cx="0" cy="0"/>
+          <a:chOff x="0" y="0"/>
+          <a:chExt cx="0" cy="0"/>
+        </a:xfrm>
+      </p:grpSpPr>
+      <p:sp>
+        <p:nvSpPr>
+          <p:cNvPr id="2" name="Title 1"/>
+          <p:cNvSpPr>
+            <a:spLocks noGrp="1"/>
+          </p:cNvSpPr>
+          <p:nvPr>
+            <p:ph type="title"/>
+          </p:nvPr>
+        </p:nvSpPr>
+        <p:spPr>
+          <a:xfrm>
+            <a:off x="273131" y="609600"/>
+            <a:ext cx="9809019" cy="601683"/>
+          </a:xfrm>
+        </p:spPr>
+        <p:txBody>
+          <a:bodyPr>
+            <a:normAutofit fontScale="90000"/>
+          </a:bodyPr>
+          <a:lstStyle/>
+          <a:p>
+            <a:r>
+              <a:rPr lang="en-US" dirty="0"/>
+              <a:t>Using a DSL To Specify </a:t>
+            </a:r>
+            <a:r>
+              <a:rPr lang="en-US" dirty="0" smtClean="0"/>
+              <a:t>Diagrams –VisioBot3000</a:t>
+            </a:r>
+            <a:endParaRPr lang="en-US" dirty="0"/>
+          </a:p>
+        </p:txBody>
+      </p:sp>
+      <p:sp>
+        <p:nvSpPr>
+          <p:cNvPr id="3" name="Content Placeholder 2"/>
+          <p:cNvSpPr>
+            <a:spLocks noGrp="1"/>
+          </p:cNvSpPr>
+          <p:nvPr>
+            <p:ph idx="1"/>
+          </p:nvPr>
+        </p:nvSpPr>
+        <p:spPr>
+          <a:xfrm>
+            <a:off x="1325034" y="1411289"/>
+            <a:ext cx="4580466" cy="4951411"/>
+          </a:xfrm>
+        </p:spPr>
+        <p:txBody>
+          <a:bodyPr>
+            <a:noAutofit/>
+          </a:bodyPr>
+          <a:lstStyle/>
+          <a:p>
+            <a:pPr marL="0" indent="0">
+              <a:lnSpc>
+                <a:spcPct val="120000"/>
+              </a:lnSpc>
+              <a:spcBef>
+                <a:spcPts val="0"/>
+              </a:spcBef>
+              <a:buNone/>
+            </a:pPr>
+            <a:r>
+              <a:rPr lang="en-US" sz="800" dirty="0"/>
+              <a:t> </a:t>
+            </a:r>
+            <a:r>
+              <a:rPr lang="en-US" sz="800" dirty="0"/>
+              <a:t>Diagram C:\temp\TestVisio3.vsdx  </a:t>
+            </a:r>
+          </a:p>
+          <a:p>
+            <a:pPr marL="0" indent="0">
+              <a:lnSpc>
+                <a:spcPct val="120000"/>
+              </a:lnSpc>
+              <a:spcBef>
+                <a:spcPts val="0"/>
+              </a:spcBef>
+              <a:buNone/>
+            </a:pPr>
+            <a:endParaRPr lang="en-US" sz="800" dirty="0"/>
+          </a:p>
+          <a:p>
+            <a:pPr marL="0" indent="0">
+              <a:lnSpc>
+                <a:spcPct val="120000"/>
+              </a:lnSpc>
+              <a:spcBef>
+                <a:spcPts val="0"/>
+              </a:spcBef>
+              <a:buNone/>
+            </a:pPr>
+            <a:r>
+              <a:rPr lang="en-US" sz="800" dirty="0"/>
+              <a:t># Define shapes, containers, and connectors for the diagram</a:t>
+            </a:r>
+          </a:p>
+          <a:p>
+            <a:pPr marL="0" indent="0">
+              <a:lnSpc>
+                <a:spcPct val="120000"/>
+              </a:lnSpc>
+              <a:spcBef>
+                <a:spcPts val="0"/>
+              </a:spcBef>
+              <a:buNone/>
+            </a:pPr>
+            <a:r>
+              <a:rPr lang="en-US" sz="800" dirty="0"/>
+              <a:t>Stencil Containers -From C:\temp\MyContainers.vssx </a:t>
+            </a:r>
+          </a:p>
+          <a:p>
+            <a:pPr marL="0" indent="0">
+              <a:lnSpc>
+                <a:spcPct val="120000"/>
+              </a:lnSpc>
+              <a:spcBef>
+                <a:spcPts val="0"/>
+              </a:spcBef>
+              <a:buNone/>
+            </a:pPr>
+            <a:r>
+              <a:rPr lang="en-US" sz="800" dirty="0"/>
+              <a:t>Stencil Servers -From C:\temp\SERVER_U.vssx</a:t>
+            </a:r>
+          </a:p>
+          <a:p>
+            <a:pPr marL="0" indent="0">
+              <a:lnSpc>
+                <a:spcPct val="120000"/>
+              </a:lnSpc>
+              <a:spcBef>
+                <a:spcPts val="0"/>
+              </a:spcBef>
+              <a:buNone/>
+            </a:pPr>
+            <a:r>
+              <a:rPr lang="en-US" sz="800" dirty="0"/>
+              <a:t>Shape WebServer -From Servers -MasterName 'Web Server'</a:t>
+            </a:r>
+          </a:p>
+          <a:p>
+            <a:pPr marL="0" indent="0">
+              <a:lnSpc>
+                <a:spcPct val="120000"/>
+              </a:lnSpc>
+              <a:spcBef>
+                <a:spcPts val="0"/>
+              </a:spcBef>
+              <a:buNone/>
+            </a:pPr>
+            <a:r>
+              <a:rPr lang="en-US" sz="800" dirty="0"/>
+              <a:t>Container Location -From Containers -MasterName 'Location'</a:t>
+            </a:r>
+          </a:p>
+          <a:p>
+            <a:pPr marL="0" indent="0">
+              <a:lnSpc>
+                <a:spcPct val="120000"/>
+              </a:lnSpc>
+              <a:spcBef>
+                <a:spcPts val="0"/>
+              </a:spcBef>
+              <a:buNone/>
+            </a:pPr>
+            <a:r>
+              <a:rPr lang="en-US" sz="800" dirty="0"/>
+              <a:t>Container Domain -From Containers -MasterName 'Domain'</a:t>
+            </a:r>
+          </a:p>
+          <a:p>
+            <a:pPr marL="0" indent="0">
+              <a:lnSpc>
+                <a:spcPct val="120000"/>
+              </a:lnSpc>
+              <a:spcBef>
+                <a:spcPts val="0"/>
+              </a:spcBef>
+              <a:buNone/>
+            </a:pPr>
+            <a:r>
+              <a:rPr lang="en-US" sz="800" dirty="0"/>
+              <a:t>Container Logical -From Containers -MasterName 'Logical'</a:t>
+            </a:r>
+          </a:p>
+          <a:p>
+            <a:pPr marL="0" indent="0">
+              <a:lnSpc>
+                <a:spcPct val="120000"/>
+              </a:lnSpc>
+              <a:spcBef>
+                <a:spcPts val="0"/>
+              </a:spcBef>
+              <a:buNone/>
+            </a:pPr>
+            <a:r>
+              <a:rPr lang="en-US" sz="800" dirty="0"/>
+              <a:t>Connector SQL -Color Red -arrow </a:t>
+            </a:r>
+          </a:p>
+          <a:p>
+            <a:pPr marL="0" indent="0">
+              <a:lnSpc>
+                <a:spcPct val="120000"/>
+              </a:lnSpc>
+              <a:spcBef>
+                <a:spcPts val="0"/>
+              </a:spcBef>
+              <a:buNone/>
+            </a:pPr>
+            <a:endParaRPr lang="en-US" sz="800" dirty="0"/>
+          </a:p>
+          <a:p>
+            <a:pPr marL="0" indent="0">
+              <a:lnSpc>
+                <a:spcPct val="120000"/>
+              </a:lnSpc>
+              <a:spcBef>
+                <a:spcPts val="0"/>
+              </a:spcBef>
+              <a:buNone/>
+            </a:pPr>
+            <a:r>
+              <a:rPr lang="en-US" sz="800" dirty="0"/>
+              <a:t>#this is the diagram</a:t>
+            </a:r>
+          </a:p>
+          <a:p>
+            <a:pPr marL="0" indent="0">
+              <a:lnSpc>
+                <a:spcPct val="120000"/>
+              </a:lnSpc>
+              <a:spcBef>
+                <a:spcPts val="0"/>
+              </a:spcBef>
+              <a:buNone/>
+            </a:pPr>
+            <a:r>
+              <a:rPr lang="en-US" sz="800" dirty="0"/>
+              <a:t>Logical MyFarm {</a:t>
+            </a:r>
+          </a:p>
+          <a:p>
+            <a:pPr marL="0" indent="0">
+              <a:lnSpc>
+                <a:spcPct val="120000"/>
+              </a:lnSpc>
+              <a:spcBef>
+                <a:spcPts val="0"/>
+              </a:spcBef>
+              <a:buNone/>
+            </a:pPr>
+            <a:r>
+              <a:rPr lang="en-US" sz="800" dirty="0"/>
+              <a:t>    Location MyCity {</a:t>
+            </a:r>
+          </a:p>
+          <a:p>
+            <a:pPr marL="0" indent="0">
+              <a:lnSpc>
+                <a:spcPct val="120000"/>
+              </a:lnSpc>
+              <a:spcBef>
+                <a:spcPts val="0"/>
+              </a:spcBef>
+              <a:buNone/>
+            </a:pPr>
+            <a:r>
+              <a:rPr lang="en-US" sz="800" dirty="0"/>
+              <a:t>        Domain MyDomain_A {</a:t>
+            </a:r>
+          </a:p>
+          <a:p>
+            <a:pPr marL="0" indent="0">
+              <a:lnSpc>
+                <a:spcPct val="120000"/>
+              </a:lnSpc>
+              <a:spcBef>
+                <a:spcPts val="0"/>
+              </a:spcBef>
+              <a:buNone/>
+            </a:pPr>
+            <a:r>
+              <a:rPr lang="en-US" sz="800" dirty="0"/>
+              <a:t>    </a:t>
+            </a:r>
+            <a:r>
+              <a:rPr lang="en-US" sz="800" dirty="0" smtClean="0"/>
+              <a:t>	WebServer </a:t>
+            </a:r>
+            <a:r>
+              <a:rPr lang="en-US" sz="800" dirty="0"/>
+              <a:t>PrimaryServer </a:t>
+            </a:r>
+          </a:p>
+          <a:p>
+            <a:pPr marL="0" indent="0">
+              <a:lnSpc>
+                <a:spcPct val="120000"/>
+              </a:lnSpc>
+              <a:spcBef>
+                <a:spcPts val="0"/>
+              </a:spcBef>
+              <a:buNone/>
+            </a:pPr>
+            <a:r>
+              <a:rPr lang="en-US" sz="800" dirty="0"/>
+              <a:t>            </a:t>
+            </a:r>
+            <a:r>
+              <a:rPr lang="en-US" sz="800" dirty="0" smtClean="0"/>
+              <a:t>	WebServer </a:t>
+            </a:r>
+            <a:r>
+              <a:rPr lang="en-US" sz="800" dirty="0"/>
+              <a:t>HotSpare</a:t>
+            </a:r>
+          </a:p>
+          <a:p>
+            <a:pPr marL="0" indent="0">
+              <a:lnSpc>
+                <a:spcPct val="120000"/>
+              </a:lnSpc>
+              <a:spcBef>
+                <a:spcPts val="0"/>
+              </a:spcBef>
+              <a:buNone/>
+            </a:pPr>
+            <a:r>
+              <a:rPr lang="en-US" sz="800" dirty="0" smtClean="0"/>
+              <a:t>       </a:t>
+            </a:r>
+            <a:r>
+              <a:rPr lang="en-US" sz="800" dirty="0"/>
+              <a:t>}</a:t>
+            </a:r>
+          </a:p>
+          <a:p>
+            <a:pPr marL="0" indent="0">
+              <a:lnSpc>
+                <a:spcPct val="120000"/>
+              </a:lnSpc>
+              <a:spcBef>
+                <a:spcPts val="0"/>
+              </a:spcBef>
+              <a:buNone/>
+            </a:pPr>
+            <a:r>
+              <a:rPr lang="en-US" sz="800" dirty="0"/>
+              <a:t>    }</a:t>
+            </a:r>
+          </a:p>
+          <a:p>
+            <a:pPr marL="0" indent="0">
+              <a:lnSpc>
+                <a:spcPct val="120000"/>
+              </a:lnSpc>
+              <a:spcBef>
+                <a:spcPts val="0"/>
+              </a:spcBef>
+              <a:buNone/>
+            </a:pPr>
+            <a:r>
+              <a:rPr lang="en-US" sz="800" dirty="0"/>
+              <a:t>    Location DRSite {</a:t>
+            </a:r>
+          </a:p>
+          <a:p>
+            <a:pPr marL="0" indent="0">
+              <a:lnSpc>
+                <a:spcPct val="120000"/>
+              </a:lnSpc>
+              <a:spcBef>
+                <a:spcPts val="0"/>
+              </a:spcBef>
+              <a:buNone/>
+            </a:pPr>
+            <a:r>
+              <a:rPr lang="en-US" sz="800" dirty="0"/>
+              <a:t>        Domain MyDomain_B {</a:t>
+            </a:r>
+          </a:p>
+          <a:p>
+            <a:pPr marL="0" indent="0">
+              <a:lnSpc>
+                <a:spcPct val="120000"/>
+              </a:lnSpc>
+              <a:spcBef>
+                <a:spcPts val="0"/>
+              </a:spcBef>
+              <a:buNone/>
+            </a:pPr>
+            <a:r>
+              <a:rPr lang="en-US" sz="800" dirty="0"/>
+              <a:t>            </a:t>
+            </a:r>
+            <a:r>
+              <a:rPr lang="en-US" sz="800" dirty="0" smtClean="0"/>
+              <a:t>	Set-RelativePositionDirection </a:t>
+            </a:r>
+            <a:r>
+              <a:rPr lang="en-US" sz="800" dirty="0"/>
+              <a:t>Vertical</a:t>
+            </a:r>
+          </a:p>
+          <a:p>
+            <a:pPr marL="0" indent="0">
+              <a:lnSpc>
+                <a:spcPct val="120000"/>
+              </a:lnSpc>
+              <a:spcBef>
+                <a:spcPts val="0"/>
+              </a:spcBef>
+              <a:buNone/>
+            </a:pPr>
+            <a:r>
+              <a:rPr lang="en-US" sz="800" dirty="0"/>
+              <a:t>   </a:t>
+            </a:r>
+            <a:r>
+              <a:rPr lang="en-US" sz="800" dirty="0" smtClean="0"/>
+              <a:t>	WebServer </a:t>
+            </a:r>
+            <a:r>
+              <a:rPr lang="en-US" sz="800" dirty="0"/>
+              <a:t>BackupServer </a:t>
+            </a:r>
+          </a:p>
+          <a:p>
+            <a:pPr marL="0" indent="0">
+              <a:lnSpc>
+                <a:spcPct val="120000"/>
+              </a:lnSpc>
+              <a:spcBef>
+                <a:spcPts val="0"/>
+              </a:spcBef>
+              <a:buNone/>
+            </a:pPr>
+            <a:r>
+              <a:rPr lang="en-US" sz="800" dirty="0"/>
+              <a:t>          </a:t>
+            </a:r>
+            <a:r>
+              <a:rPr lang="en-US" sz="800" dirty="0" smtClean="0"/>
+              <a:t>	WebServer </a:t>
+            </a:r>
+            <a:r>
+              <a:rPr lang="en-US" sz="800" dirty="0"/>
+              <a:t>DRHotSpare</a:t>
+            </a:r>
+          </a:p>
+          <a:p>
+            <a:pPr marL="0" indent="0">
+              <a:lnSpc>
+                <a:spcPct val="120000"/>
+              </a:lnSpc>
+              <a:spcBef>
+                <a:spcPts val="0"/>
+              </a:spcBef>
+              <a:buNone/>
+            </a:pPr>
+            <a:r>
+              <a:rPr lang="en-US" sz="800" dirty="0"/>
+              <a:t>    }</a:t>
+            </a:r>
+          </a:p>
+          <a:p>
+            <a:pPr marL="0" indent="0">
+              <a:lnSpc>
+                <a:spcPct val="120000"/>
+              </a:lnSpc>
+              <a:spcBef>
+                <a:spcPts val="0"/>
+              </a:spcBef>
+              <a:buNone/>
+            </a:pPr>
+            <a:r>
+              <a:rPr lang="en-US" sz="800" dirty="0"/>
+              <a:t>    }</a:t>
+            </a:r>
+          </a:p>
+          <a:p>
+            <a:pPr marL="0" indent="0">
+              <a:lnSpc>
+                <a:spcPct val="120000"/>
+              </a:lnSpc>
+              <a:spcBef>
+                <a:spcPts val="0"/>
+              </a:spcBef>
+              <a:buNone/>
+            </a:pPr>
+            <a:r>
+              <a:rPr lang="en-US" sz="800" dirty="0"/>
+              <a:t>}</a:t>
+            </a:r>
+          </a:p>
+          <a:p>
+            <a:pPr marL="0" indent="0">
+              <a:lnSpc>
+                <a:spcPct val="120000"/>
+              </a:lnSpc>
+              <a:spcBef>
+                <a:spcPts val="0"/>
+              </a:spcBef>
+              <a:buNone/>
+            </a:pPr>
+            <a:r>
+              <a:rPr lang="en-US" sz="800" dirty="0"/>
+              <a:t>SQL -From PrimaryServer -To BackupServer</a:t>
+            </a:r>
+          </a:p>
+          <a:p>
+            <a:pPr marL="0" indent="0">
+              <a:lnSpc>
+                <a:spcPct val="120000"/>
+              </a:lnSpc>
+              <a:spcBef>
+                <a:spcPts val="0"/>
+              </a:spcBef>
+              <a:buNone/>
+            </a:pPr>
+            <a:r>
+              <a:rPr lang="en-US" sz="800" dirty="0"/>
+              <a:t>Hyperlink $BackupServer -link http://google.com</a:t>
+            </a:r>
+          </a:p>
+          <a:p>
+            <a:pPr>
+              <a:lnSpc>
+                <a:spcPct val="120000"/>
+              </a:lnSpc>
+              <a:spcBef>
+                <a:spcPts val="0"/>
+              </a:spcBef>
+            </a:pPr>
+            <a:endParaRPr lang="en-US" sz="800" dirty="0"/>
+          </a:p>
+          <a:p>
+            <a:pPr marL="0" indent="0">
+              <a:lnSpc>
+                <a:spcPct val="120000"/>
+              </a:lnSpc>
+              <a:spcBef>
+                <a:spcPts val="0"/>
+              </a:spcBef>
+              <a:buNone/>
+            </a:pPr>
+            <a:r>
+              <a:rPr lang="en-US" sz="800" dirty="0"/>
+              <a:t>Complete-Diagram  </a:t>
+            </a:r>
+          </a:p>
+        </p:txBody>
+      </p:sp>
+    </p:spTree>
+    <p:extLst>
+      <p:ext uri="{BB962C8B-B14F-4D97-AF65-F5344CB8AC3E}">
+        <p14:creationId xmlns:p14="http://schemas.microsoft.com/office/powerpoint/2010/main" val="260471491"/>
+      </p:ext>
+    </p:extLst>
+  </p:cSld>
+  <p:clrMapOvr>
+    <a:masterClrMapping/>
+  </p:clrMapOvr>
+</p:sld>
+</file>
+
+<file path=ppt/slides/slide18.xml><?xml version="1.0" encoding="utf-8"?>
+<p:sld xmlns:a="http://schemas.openxmlformats.org/drawingml/2006/main" xmlns:r="http://schemas.openxmlformats.org/officeDocument/2006/relationships" xmlns:p="http://schemas.openxmlformats.org/presentationml/2006/main">
+  <p:cSld>
+    <p:spTree>
+      <p:nvGrpSpPr>
+        <p:cNvPr id="1" name=""/>
+        <p:cNvGrpSpPr/>
+        <p:nvPr/>
+      </p:nvGrpSpPr>
+      <p:grpSpPr>
+        <a:xfrm>
+          <a:off x="0" y="0"/>
+          <a:ext cx="0" cy="0"/>
+          <a:chOff x="0" y="0"/>
+          <a:chExt cx="0" cy="0"/>
+        </a:xfrm>
+      </p:grpSpPr>
+      <p:sp>
+        <p:nvSpPr>
+          <p:cNvPr id="2" name="Title 1"/>
+          <p:cNvSpPr>
+            <a:spLocks noGrp="1"/>
+          </p:cNvSpPr>
+          <p:nvPr>
+            <p:ph type="title"/>
+          </p:nvPr>
+        </p:nvSpPr>
         <p:spPr/>
         <p:txBody>
           <a:bodyPr/>
@@ -7114,15 +8152,7 @@
           <a:p>
             <a:r>
               <a:rPr lang="en-US" dirty="0"/>
-              <a:t>Visio </a:t>
-            </a:r>
-            <a:r>
-              <a:rPr lang="en-US" dirty="0" err="1"/>
-              <a:t>ShapeSheet</a:t>
-            </a:r>
-            <a:r>
-              <a:rPr lang="en-US" dirty="0"/>
-              <a:t> Reference:</a:t>
+              <a:t>Visio ShapeSheet Reference:</a:t>
             </a:r>
           </a:p>
           <a:p>
@@ -7665,21 +8695,8 @@
             </a:pPr>
             <a:r>
               <a:rPr lang="en-US" dirty="0"/>
-              <a:t>$Visio = New-Object –</a:t>
-            </a:r>
-            <a:r>
-              <a:rPr lang="en-US" dirty="0" err="1"/>
-              <a:t>ComObject</a:t>
-            </a:r>
-            <a:r>
-              <a:rPr lang="en-US" dirty="0"/>
-              <a:t> </a:t>
-            </a:r>
-            <a:r>
-              <a:rPr lang="en-US" dirty="0" err="1"/>
-              <a:t>Visio.Application</a:t>
-            </a:r>
-            <a:endParaRPr lang="en-US" dirty="0"/>
+              <a:t>$Visio = New-Object –ComObject Visio.Application</a:t>
+            </a:r>
           </a:p>
           <a:p>
             <a:pPr marL="0" indent="0">
@@ -7786,23 +8803,7 @@
             </a:pPr>
             <a:r>
               <a:rPr lang="en-US" dirty="0"/>
-              <a:t>$</a:t>
-            </a:r>
-            <a:r>
-              <a:rPr lang="en-US" dirty="0" err="1"/>
-              <a:t>Visio.Documents.Add</a:t>
-            </a:r>
-            <a:r>
-              <a:rPr lang="en-US" dirty="0"/>
-              <a:t>(‘c:\temp\</a:t>
-            </a:r>
-            <a:r>
-              <a:rPr lang="en-US" dirty="0" err="1"/>
-              <a:t>SampleVisio.vsdx</a:t>
-            </a:r>
-            <a:r>
-              <a:rPr lang="en-US" dirty="0"/>
-              <a:t>’)</a:t>
+              <a:t>$Visio.Documents.Add(‘c:\temp\SampleVisio.vsdx’)</a:t>
             </a:r>
           </a:p>
           <a:p>
@@ -7823,15 +8824,7 @@
             </a:pPr>
             <a:r>
               <a:rPr lang="en-US" dirty="0"/>
-              <a:t> $</a:t>
-            </a:r>
-            <a:r>
-              <a:rPr lang="en-US" dirty="0" err="1"/>
-              <a:t>Visio.Documents.Add</a:t>
-            </a:r>
-            <a:r>
-              <a:rPr lang="en-US" dirty="0"/>
-              <a:t>(‘’)</a:t>
+              <a:t> $Visio.Documents.Add(‘’)</a:t>
             </a:r>
           </a:p>
           <a:p>
@@ -7855,15 +8848,7 @@
             </a:pPr>
             <a:r>
               <a:rPr lang="en-US" dirty="0"/>
-              <a:t>$</a:t>
-            </a:r>
-            <a:r>
-              <a:rPr lang="en-US" dirty="0" err="1"/>
-              <a:t>Visio.Documents.Add</a:t>
-            </a:r>
-            <a:r>
-              <a:rPr lang="en-US" dirty="0"/>
-              <a:t>(‘Basic Flowchart.vst’)</a:t>
+              <a:t>$Visio.Documents.Add(‘Basic Flowchart.vst’)</a:t>
             </a:r>
           </a:p>
           <a:p>
@@ -7878,15 +8863,7 @@
             </a:pPr>
             <a:r>
               <a:rPr lang="en-US" dirty="0"/>
-              <a:t>P.S.  There are also Open() and </a:t>
-            </a:r>
-            <a:r>
-              <a:rPr lang="en-US" dirty="0" err="1"/>
-              <a:t>OpenEx</a:t>
-            </a:r>
-            <a:r>
-              <a:rPr lang="en-US" dirty="0"/>
-              <a:t>() methods</a:t>
+              <a:t>P.S.  There are also Open() and OpenEx() methods</a:t>
             </a:r>
           </a:p>
           <a:p>
@@ -8006,43 +8983,19 @@
           <a:p>
             <a:r>
               <a:rPr lang="en-US" dirty="0"/>
-              <a:t>$</a:t>
-            </a:r>
-            <a:r>
-              <a:rPr lang="en-US" dirty="0" err="1"/>
-              <a:t>doc.Pages</a:t>
-            </a:r>
-            <a:r>
-              <a:rPr lang="en-US" dirty="0"/>
-              <a:t>[1]</a:t>
-            </a:r>
-          </a:p>
-          <a:p>
-            <a:r>
-              <a:rPr lang="en-US" dirty="0"/>
-              <a:t>$</a:t>
-            </a:r>
-            <a:r>
-              <a:rPr lang="en-US" dirty="0" err="1"/>
-              <a:t>doc.Pages</a:t>
-            </a:r>
-            <a:r>
-              <a:rPr lang="en-US" dirty="0"/>
-              <a:t>[‘Page-1’]</a:t>
-            </a:r>
-          </a:p>
-          <a:p>
-            <a:r>
-              <a:rPr lang="en-US" dirty="0"/>
-              <a:t> $</a:t>
-            </a:r>
-            <a:r>
-              <a:rPr lang="en-US" dirty="0" err="1"/>
-              <a:t>Visio.ActivePage</a:t>
-            </a:r>
-            <a:r>
-              <a:rPr lang="en-US" dirty="0"/>
-              <a:t> </a:t>
+              <a:t>$doc.Pages[1]</a:t>
+            </a:r>
+          </a:p>
+          <a:p>
+            <a:r>
+              <a:rPr lang="en-US" dirty="0"/>
+              <a:t>$doc.Pages[‘Page-1’]</a:t>
+            </a:r>
+          </a:p>
+          <a:p>
+            <a:r>
+              <a:rPr lang="en-US" dirty="0"/>
+              <a:t> $Visio.ActivePage </a:t>
             </a:r>
           </a:p>
           <a:p>
@@ -8054,15 +9007,7 @@
           <a:p>
             <a:r>
               <a:rPr lang="en-US" dirty="0"/>
-              <a:t>$</a:t>
-            </a:r>
-            <a:r>
-              <a:rPr lang="en-US" dirty="0" err="1"/>
-              <a:t>doc.Pages.Add</a:t>
-            </a:r>
-            <a:r>
-              <a:rPr lang="en-US" dirty="0"/>
-              <a:t>()</a:t>
+              <a:t>$doc.Pages.Add()</a:t>
             </a:r>
           </a:p>
           <a:p>
@@ -8150,15 +9095,7 @@
           <a:p>
             <a:r>
               <a:rPr lang="en-US" dirty="0"/>
-              <a:t>Pages have several </a:t>
-            </a:r>
-            <a:r>
-              <a:rPr lang="en-US" dirty="0" err="1"/>
-              <a:t>DrawBLAH</a:t>
-            </a:r>
-            <a:r>
-              <a:rPr lang="en-US" dirty="0"/>
-              <a:t>() methods.  They aren’t very interesting to me. YMMV.</a:t>
+              <a:t>Pages have several DrawBLAH() methods.  They aren’t very interesting to me. YMMV.</a:t>
             </a:r>
           </a:p>
           <a:p>
@@ -8170,33 +9107,13 @@
           <a:p>
             <a:r>
               <a:rPr lang="en-US" dirty="0"/>
-              <a:t>Stencils can be loaded with the Add(), Open(), or </a:t>
-            </a:r>
-            <a:r>
-              <a:rPr lang="en-US" dirty="0" err="1"/>
-              <a:t>OpenEx</a:t>
-            </a:r>
-            <a:r>
-              <a:rPr lang="en-US" dirty="0"/>
-              <a:t>() methods.</a:t>
-            </a:r>
-          </a:p>
-          <a:p>
-            <a:r>
-              <a:rPr lang="en-US" dirty="0" err="1"/>
-              <a:t>OpenEx</a:t>
-            </a:r>
-            <a:r>
-              <a:rPr lang="en-US" dirty="0"/>
-              <a:t>() with a second argument of </a:t>
-            </a:r>
-            <a:r>
-              <a:rPr lang="en-US" dirty="0" err="1"/>
-              <a:t>visOpenHidden</a:t>
-            </a:r>
-            <a:r>
-              <a:rPr lang="en-US" dirty="0"/>
-              <a:t> (64) will open the stencil and give you a reference to it, but not display it in the app.</a:t>
+              <a:t>Stencils can be loaded with the Add(), Open(), or OpenEx() methods.</a:t>
+            </a:r>
+          </a:p>
+          <a:p>
+            <a:r>
+              <a:rPr lang="en-US" dirty="0"/>
+              <a:t>OpenEx() with a second argument of visOpenHidden (64) will open the stencil and give you a reference to it, but not display it in the app.</a:t>
             </a:r>
           </a:p>
           <a:p>
@@ -8211,15 +9128,16 @@
             </a:pPr>
             <a:r>
               <a:rPr lang="en-US" sz="1200" dirty="0"/>
-              <a:t>$</a:t>
-            </a:r>
-            <a:r>
-              <a:rPr lang="en-US" sz="1200" dirty="0" err="1"/>
-              <a:t>stencilPath</a:t>
-            </a:r>
+              <a:t>$stencilPath='C:\Program Files (x86)\Microsoft Office\Office15\Visio Content\1033\SERVER_U.VSSX‘</a:t>
+            </a:r>
+          </a:p>
+          <a:p>
+            <a:pPr marL="0" indent="0">
+              <a:buNone/>
+            </a:pPr>
             <a:r>
               <a:rPr lang="en-US" sz="1200" dirty="0"/>
-              <a:t>='C:\Program Files (x86)\Microsoft Office\Office15\Visio Content\1033\SERVER_U.VSSX‘</a:t>
+              <a:t>$stencil=$Visio.Documents.OpenEx($stencilPath,64)</a:t>
             </a:r>
           </a:p>
           <a:p>
@@ -8228,57 +9146,16 @@
             </a:pPr>
             <a:r>
               <a:rPr lang="en-US" sz="1200" dirty="0"/>
-              <a:t>$stencil=$</a:t>
-            </a:r>
-            <a:r>
-              <a:rPr lang="en-US" sz="1200" dirty="0" err="1"/>
-              <a:t>Visio.Documents.OpenEx</a:t>
-            </a:r>
+              <a:t>$ServerMaster=$stencil.Masters[‘Server’]</a:t>
+            </a:r>
+          </a:p>
+          <a:p>
+            <a:pPr marL="0" indent="0">
+              <a:buNone/>
+            </a:pPr>
             <a:r>
               <a:rPr lang="en-US" sz="1200" dirty="0"/>
-              <a:t>($stencilPath,64)</a:t>
-            </a:r>
-          </a:p>
-          <a:p>
-            <a:pPr marL="0" indent="0">
-              <a:buNone/>
-            </a:pPr>
-            <a:r>
-              <a:rPr lang="en-US" sz="1200" dirty="0"/>
-              <a:t>$</a:t>
-            </a:r>
-            <a:r>
-              <a:rPr lang="en-US" sz="1200" dirty="0" err="1"/>
-              <a:t>ServerMaster</a:t>
-            </a:r>
-            <a:r>
-              <a:rPr lang="en-US" sz="1200" dirty="0"/>
-              <a:t>=$</a:t>
-            </a:r>
-            <a:r>
-              <a:rPr lang="en-US" sz="1200" dirty="0" err="1"/>
-              <a:t>stencil.Masters</a:t>
-            </a:r>
-            <a:r>
-              <a:rPr lang="en-US" sz="1200" dirty="0"/>
-              <a:t>[‘Server’]</a:t>
-            </a:r>
-          </a:p>
-          <a:p>
-            <a:pPr marL="0" indent="0">
-              <a:buNone/>
-            </a:pPr>
-            <a:r>
-              <a:rPr lang="en-US" sz="1200" dirty="0"/>
-              <a:t>$</a:t>
-            </a:r>
-            <a:r>
-              <a:rPr lang="en-US" sz="1200" dirty="0" err="1"/>
-              <a:t>page.Drop</a:t>
-            </a:r>
-            <a:r>
-              <a:rPr lang="en-US" sz="1200" dirty="0"/>
-              <a:t>($ServerMaster,5,5)</a:t>
+              <a:t>$page.Drop($ServerMaster,5,5)</a:t>
             </a:r>
           </a:p>
           <a:p>
@@ -8360,32 +9237,16 @@
           <a:p>
             <a:r>
               <a:rPr lang="en-US" dirty="0"/>
-              <a:t>If you have 2 shapes called $Bert and $Ernie, you can connect them with the </a:t>
-            </a:r>
-            <a:r>
-              <a:rPr lang="en-US" dirty="0" err="1"/>
-              <a:t>AutoConnect</a:t>
-            </a:r>
-            <a:r>
-              <a:rPr lang="en-US" dirty="0"/>
-              <a:t>() method</a:t>
-            </a:r>
-          </a:p>
-          <a:p>
-            <a:endParaRPr lang="en-US" dirty="0"/>
-          </a:p>
-          <a:p>
-            <a:r>
-              <a:rPr lang="en-US" dirty="0"/>
-              <a:t>$</a:t>
-            </a:r>
-            <a:r>
-              <a:rPr lang="en-US" dirty="0" err="1"/>
-              <a:t>Bert.AutoConnect</a:t>
-            </a:r>
-            <a:r>
-              <a:rPr lang="en-US" dirty="0"/>
-              <a:t>($Ernie,0)</a:t>
+              <a:t>If you have 2 shapes called $Bert and $Ernie, you can connect them with the AutoConnect() method</a:t>
+            </a:r>
+          </a:p>
+          <a:p>
+            <a:endParaRPr lang="en-US" dirty="0"/>
+          </a:p>
+          <a:p>
+            <a:r>
+              <a:rPr lang="en-US" dirty="0"/>
+              <a:t>$Bert.AutoConnect($Ernie,0)</a:t>
             </a:r>
           </a:p>
           <a:p>
@@ -8415,15 +9276,7 @@
           <a:p>
             <a:r>
               <a:rPr lang="en-US" dirty="0"/>
-              <a:t> $connector=$</a:t>
-            </a:r>
-            <a:r>
-              <a:rPr lang="en-US" dirty="0" err="1"/>
-              <a:t>page.Shapes</a:t>
-            </a:r>
-            <a:r>
-              <a:rPr lang="en-US" dirty="0"/>
-              <a:t>['Dynamic Connector'] | select -last 1 </a:t>
+              <a:t> $connector=$page.Shapes['Dynamic Connector'] | select -last 1 </a:t>
             </a:r>
           </a:p>
           <a:p>
